--- a/esa_python_block10_numpy.pptx
+++ b/esa_python_block10_numpy.pptx
@@ -320,7 +320,7 @@
             <a:fld id="{1D8BD707-D9CF-40AE-B4C6-C98DA3205C09}" type="datetimeFigureOut">
               <a:rPr lang="en-US" smtClean="0"/>
               <a:pPr/>
-              <a:t>8/1/12</a:t>
+              <a:t>7/31/2013</a:t>
             </a:fld>
             <a:endParaRPr lang="en-US"/>
           </a:p>
@@ -487,7 +487,7 @@
             <a:fld id="{1D8BD707-D9CF-40AE-B4C6-C98DA3205C09}" type="datetimeFigureOut">
               <a:rPr lang="en-US" smtClean="0"/>
               <a:pPr/>
-              <a:t>8/1/12</a:t>
+              <a:t>7/31/2013</a:t>
             </a:fld>
             <a:endParaRPr lang="en-US"/>
           </a:p>
@@ -664,7 +664,7 @@
             <a:fld id="{1D8BD707-D9CF-40AE-B4C6-C98DA3205C09}" type="datetimeFigureOut">
               <a:rPr lang="en-US" smtClean="0"/>
               <a:pPr/>
-              <a:t>8/1/12</a:t>
+              <a:t>7/31/2013</a:t>
             </a:fld>
             <a:endParaRPr lang="en-US"/>
           </a:p>
@@ -831,7 +831,7 @@
             <a:fld id="{1D8BD707-D9CF-40AE-B4C6-C98DA3205C09}" type="datetimeFigureOut">
               <a:rPr lang="en-US" smtClean="0"/>
               <a:pPr/>
-              <a:t>8/1/12</a:t>
+              <a:t>7/31/2013</a:t>
             </a:fld>
             <a:endParaRPr lang="en-US"/>
           </a:p>
@@ -1074,7 +1074,7 @@
             <a:fld id="{1D8BD707-D9CF-40AE-B4C6-C98DA3205C09}" type="datetimeFigureOut">
               <a:rPr lang="en-US" smtClean="0"/>
               <a:pPr/>
-              <a:t>8/1/12</a:t>
+              <a:t>7/31/2013</a:t>
             </a:fld>
             <a:endParaRPr lang="en-US"/>
           </a:p>
@@ -1359,7 +1359,7 @@
             <a:fld id="{1D8BD707-D9CF-40AE-B4C6-C98DA3205C09}" type="datetimeFigureOut">
               <a:rPr lang="en-US" smtClean="0"/>
               <a:pPr/>
-              <a:t>8/1/12</a:t>
+              <a:t>7/31/2013</a:t>
             </a:fld>
             <a:endParaRPr lang="en-US"/>
           </a:p>
@@ -1778,7 +1778,7 @@
             <a:fld id="{1D8BD707-D9CF-40AE-B4C6-C98DA3205C09}" type="datetimeFigureOut">
               <a:rPr lang="en-US" smtClean="0"/>
               <a:pPr/>
-              <a:t>8/1/12</a:t>
+              <a:t>7/31/2013</a:t>
             </a:fld>
             <a:endParaRPr lang="en-US"/>
           </a:p>
@@ -1893,7 +1893,7 @@
             <a:fld id="{1D8BD707-D9CF-40AE-B4C6-C98DA3205C09}" type="datetimeFigureOut">
               <a:rPr lang="en-US" smtClean="0"/>
               <a:pPr/>
-              <a:t>8/1/12</a:t>
+              <a:t>7/31/2013</a:t>
             </a:fld>
             <a:endParaRPr lang="en-US"/>
           </a:p>
@@ -1985,7 +1985,7 @@
             <a:fld id="{1D8BD707-D9CF-40AE-B4C6-C98DA3205C09}" type="datetimeFigureOut">
               <a:rPr lang="en-US" smtClean="0"/>
               <a:pPr/>
-              <a:t>8/1/12</a:t>
+              <a:t>7/31/2013</a:t>
             </a:fld>
             <a:endParaRPr lang="en-US"/>
           </a:p>
@@ -2259,7 +2259,7 @@
             <a:fld id="{1D8BD707-D9CF-40AE-B4C6-C98DA3205C09}" type="datetimeFigureOut">
               <a:rPr lang="en-US" smtClean="0"/>
               <a:pPr/>
-              <a:t>8/1/12</a:t>
+              <a:t>7/31/2013</a:t>
             </a:fld>
             <a:endParaRPr lang="en-US"/>
           </a:p>
@@ -2509,7 +2509,7 @@
             <a:fld id="{1D8BD707-D9CF-40AE-B4C6-C98DA3205C09}" type="datetimeFigureOut">
               <a:rPr lang="en-US" smtClean="0"/>
               <a:pPr/>
-              <a:t>8/1/12</a:t>
+              <a:t>7/31/2013</a:t>
             </a:fld>
             <a:endParaRPr lang="en-US"/>
           </a:p>
@@ -2719,7 +2719,7 @@
             <a:fld id="{1D8BD707-D9CF-40AE-B4C6-C98DA3205C09}" type="datetimeFigureOut">
               <a:rPr lang="en-US" smtClean="0"/>
               <a:pPr/>
-              <a:t>8/1/12</a:t>
+              <a:t>7/31/2013</a:t>
             </a:fld>
             <a:endParaRPr lang="en-US"/>
           </a:p>
@@ -3151,11 +3151,7 @@
           <a:p>
             <a:r>
               <a:rPr lang="en-US"/>
-              <a:t>Tao Hong, Chance Pascale, </a:t>
-            </a:r>
-            <a:r>
-              <a:rPr lang="en-US"/>
-              <a:t>Tom </a:t>
+              <a:t>Tao Hong, Chance Pascale, Tom </a:t>
             </a:r>
             <a:r>
               <a:rPr lang="en-US" smtClean="0"/>
@@ -3291,7 +3287,7 @@
   <p:timing>
     <p:tnLst>
       <p:par>
-        <p:cTn xmlns:p14="http://schemas.microsoft.com/office/powerpoint/2010/main" id="1" dur="indefinite" restart="never" nodeType="tmRoot"/>
+        <p:cTn id="1" dur="indefinite" restart="never" nodeType="tmRoot"/>
       </p:par>
     </p:tnLst>
   </p:timing>
@@ -3477,7 +3473,7 @@
   <p:timing>
     <p:tnLst>
       <p:par>
-        <p:cTn xmlns:p14="http://schemas.microsoft.com/office/powerpoint/2010/main" id="1" dur="indefinite" restart="never" nodeType="tmRoot"/>
+        <p:cTn id="1" dur="indefinite" restart="never" nodeType="tmRoot"/>
       </p:par>
     </p:tnLst>
   </p:timing>
@@ -3648,7 +3644,7 @@
   <p:timing>
     <p:tnLst>
       <p:par>
-        <p:cTn xmlns:p14="http://schemas.microsoft.com/office/powerpoint/2010/main" id="1" dur="indefinite" restart="never" nodeType="tmRoot"/>
+        <p:cTn id="1" dur="indefinite" restart="never" nodeType="tmRoot"/>
       </p:par>
     </p:tnLst>
   </p:timing>
@@ -3697,8 +3693,8 @@
               <a:t>Some </a:t>
             </a:r>
             <a:r>
-              <a:rPr lang="en-US" dirty="0" err="1" smtClean="0"/>
-              <a:t>propertites</a:t>
+              <a:rPr lang="en-US" dirty="0" smtClean="0"/>
+              <a:t>properties</a:t>
             </a:r>
             <a:endParaRPr lang="en-US" dirty="0" smtClean="0"/>
           </a:p>
@@ -3978,7 +3974,7 @@
   <p:timing>
     <p:tnLst>
       <p:par>
-        <p:cTn xmlns:p14="http://schemas.microsoft.com/office/powerpoint/2010/main" id="1" dur="indefinite" restart="never" nodeType="tmRoot"/>
+        <p:cTn id="1" dur="indefinite" restart="never" nodeType="tmRoot"/>
       </p:par>
     </p:tnLst>
   </p:timing>
@@ -4018,8 +4014,8 @@
           <a:lstStyle/>
           <a:p>
             <a:r>
-              <a:rPr lang="en-US" dirty="0" err="1" smtClean="0"/>
-              <a:t>fromfunction</a:t>
+              <a:rPr lang="en-US" smtClean="0"/>
+              <a:t>From function</a:t>
             </a:r>
             <a:endParaRPr lang="en-US" dirty="0"/>
           </a:p>
@@ -4124,7 +4120,7 @@
   <p:timing>
     <p:tnLst>
       <p:par>
-        <p:cTn xmlns:p14="http://schemas.microsoft.com/office/powerpoint/2010/main" id="1" dur="indefinite" restart="never" nodeType="tmRoot"/>
+        <p:cTn id="1" dur="indefinite" restart="never" nodeType="tmRoot"/>
       </p:par>
     </p:tnLst>
   </p:timing>
@@ -5460,7 +5456,7 @@
   <p:timing>
     <p:tnLst>
       <p:par>
-        <p:cTn xmlns:p14="http://schemas.microsoft.com/office/powerpoint/2010/main" id="1" dur="indefinite" restart="never" nodeType="tmRoot"/>
+        <p:cTn id="1" dur="indefinite" restart="never" nodeType="tmRoot"/>
       </p:par>
     </p:tnLst>
   </p:timing>
@@ -6836,7 +6832,7 @@
   <p:timing>
     <p:tnLst>
       <p:par>
-        <p:cTn xmlns:p14="http://schemas.microsoft.com/office/powerpoint/2010/main" id="1" dur="indefinite" restart="never" nodeType="tmRoot"/>
+        <p:cTn id="1" dur="indefinite" restart="never" nodeType="tmRoot"/>
       </p:par>
     </p:tnLst>
   </p:timing>
@@ -9045,7 +9041,7 @@
   <p:timing>
     <p:tnLst>
       <p:par>
-        <p:cTn xmlns:p14="http://schemas.microsoft.com/office/powerpoint/2010/main" id="1" dur="indefinite" restart="never" nodeType="tmRoot"/>
+        <p:cTn id="1" dur="indefinite" restart="never" nodeType="tmRoot"/>
       </p:par>
     </p:tnLst>
   </p:timing>
@@ -11871,7 +11867,7 @@
   <p:timing>
     <p:tnLst>
       <p:par>
-        <p:cTn xmlns:p14="http://schemas.microsoft.com/office/powerpoint/2010/main" id="1" dur="indefinite" restart="never" nodeType="tmRoot"/>
+        <p:cTn id="1" dur="indefinite" restart="never" nodeType="tmRoot"/>
       </p:par>
     </p:tnLst>
   </p:timing>
@@ -11986,7 +11982,7 @@
   <p:timing>
     <p:tnLst>
       <p:par>
-        <p:cTn xmlns:p14="http://schemas.microsoft.com/office/powerpoint/2010/main" id="1" dur="indefinite" restart="never" nodeType="tmRoot"/>
+        <p:cTn id="1" dur="indefinite" restart="never" nodeType="tmRoot"/>
       </p:par>
     </p:tnLst>
   </p:timing>
@@ -12265,7 +12261,7 @@
   <p:timing>
     <p:tnLst>
       <p:par>
-        <p:cTn xmlns:p14="http://schemas.microsoft.com/office/powerpoint/2010/main" id="1" dur="indefinite" restart="never" nodeType="tmRoot"/>
+        <p:cTn id="1" dur="indefinite" restart="never" nodeType="tmRoot"/>
       </p:par>
     </p:tnLst>
   </p:timing>
@@ -12474,7 +12470,7 @@
   <p:timing>
     <p:tnLst>
       <p:par>
-        <p:cTn xmlns:p14="http://schemas.microsoft.com/office/powerpoint/2010/main" id="1" dur="indefinite" restart="never" nodeType="tmRoot"/>
+        <p:cTn id="1" dur="indefinite" restart="never" nodeType="tmRoot"/>
       </p:par>
     </p:tnLst>
   </p:timing>
@@ -13208,7 +13204,7 @@
         </p:spPr>
         <p:txBody>
           <a:bodyPr>
-            <a:normAutofit fontScale="92500"/>
+            <a:normAutofit/>
           </a:bodyPr>
           <a:lstStyle/>
           <a:p>
@@ -13417,7 +13413,7 @@
   <p:timing>
     <p:tnLst>
       <p:par>
-        <p:cTn xmlns:p14="http://schemas.microsoft.com/office/powerpoint/2010/main" id="1" dur="indefinite" restart="never" nodeType="tmRoot"/>
+        <p:cTn id="1" dur="indefinite" restart="never" nodeType="tmRoot"/>
       </p:par>
     </p:tnLst>
   </p:timing>
@@ -13650,7 +13646,7 @@
   <p:timing>
     <p:tnLst>
       <p:par>
-        <p:cTn xmlns:p14="http://schemas.microsoft.com/office/powerpoint/2010/main" id="1" dur="indefinite" restart="never" nodeType="tmRoot"/>
+        <p:cTn id="1" dur="indefinite" restart="never" nodeType="tmRoot"/>
       </p:par>
     </p:tnLst>
   </p:timing>
@@ -14412,7 +14408,7 @@
   <p:timing>
     <p:tnLst>
       <p:par>
-        <p:cTn xmlns:p14="http://schemas.microsoft.com/office/powerpoint/2010/main" id="1" dur="indefinite" restart="never" nodeType="tmRoot"/>
+        <p:cTn id="1" dur="indefinite" restart="never" nodeType="tmRoot"/>
       </p:par>
     </p:tnLst>
   </p:timing>
@@ -14714,7 +14710,7 @@
   <p:timing>
     <p:tnLst>
       <p:par>
-        <p:cTn xmlns:p14="http://schemas.microsoft.com/office/powerpoint/2010/main" id="1" dur="indefinite" restart="never" nodeType="tmRoot"/>
+        <p:cTn id="1" dur="indefinite" restart="never" nodeType="tmRoot"/>
       </p:par>
     </p:tnLst>
   </p:timing>
@@ -14777,59 +14773,9 @@
         </p:xfrm>
         <a:graphic>
           <a:graphicData uri="http://schemas.openxmlformats.org/presentationml/2006/ole">
-            <mc:AlternateContent xmlns:mc="http://schemas.openxmlformats.org/markup-compatibility/2006">
-              <mc:Choice xmlns:v="urn:schemas-microsoft-com:vml" Requires="v">
-                <p:oleObj spid="_x0000_s43013" name="Equation" r:id="rId3" imgW="1155600" imgH="253800" progId="Equation.DSMT4">
-                  <p:embed/>
-                </p:oleObj>
-              </mc:Choice>
-              <mc:Fallback>
-                <p:oleObj name="Equation" r:id="rId3" imgW="1155600" imgH="253800" progId="Equation.DSMT4">
-                  <p:embed/>
-                  <p:pic>
-                    <p:nvPicPr>
-                      <p:cNvPr id="0" name="Content Placeholder 3"/>
-                      <p:cNvPicPr>
-                        <a:picLocks noChangeAspect="1" noChangeArrowheads="1"/>
-                      </p:cNvPicPr>
-                      <p:nvPr/>
-                    </p:nvPicPr>
-                    <p:blipFill>
-                      <a:blip r:embed="rId4">
-                        <a:extLst>
-                          <a:ext uri="{28A0092B-C50C-407E-A947-70E740481C1C}">
-                            <a14:useLocalDpi xmlns:a14="http://schemas.microsoft.com/office/drawing/2010/main" val="0"/>
-                          </a:ext>
-                        </a:extLst>
-                      </a:blip>
-                      <a:srcRect/>
-                      <a:stretch>
-                        <a:fillRect/>
-                      </a:stretch>
-                    </p:blipFill>
-                    <p:spPr bwMode="auto">
-                      <a:xfrm>
-                        <a:off x="2590800" y="1295400"/>
-                        <a:ext cx="3429000" cy="753666"/>
-                      </a:xfrm>
-                      <a:prstGeom prst="rect">
-                        <a:avLst/>
-                      </a:prstGeom>
-                      <a:noFill/>
-                      <a:extLst>
-                        <a:ext uri="{909E8E84-426E-40dd-AFC4-6F175D3DCCD1}">
-                          <a14:hiddenFill xmlns:a14="http://schemas.microsoft.com/office/drawing/2010/main">
-                            <a:solidFill>
-                              <a:srgbClr val="FFFFFF"/>
-                            </a:solidFill>
-                          </a14:hiddenFill>
-                        </a:ext>
-                      </a:extLst>
-                    </p:spPr>
-                  </p:pic>
-                </p:oleObj>
-              </mc:Fallback>
-            </mc:AlternateContent>
+            <p:oleObj spid="_x0000_s43013" name="Equation" r:id="rId3" imgW="1155264" imgH="254092" progId="Equation.DSMT4">
+              <p:embed/>
+            </p:oleObj>
           </a:graphicData>
         </a:graphic>
       </p:graphicFrame>
@@ -15133,7 +15079,7 @@
   <p:timing>
     <p:tnLst>
       <p:par>
-        <p:cTn xmlns:p14="http://schemas.microsoft.com/office/powerpoint/2010/main" id="1" dur="indefinite" restart="never" nodeType="tmRoot"/>
+        <p:cTn id="1" dur="indefinite" restart="never" nodeType="tmRoot"/>
       </p:par>
     </p:tnLst>
   </p:timing>
@@ -15277,7 +15223,7 @@
   <p:timing>
     <p:tnLst>
       <p:par>
-        <p:cTn xmlns:p14="http://schemas.microsoft.com/office/powerpoint/2010/main" id="1" dur="indefinite" restart="never" nodeType="tmRoot"/>
+        <p:cTn id="1" dur="indefinite" restart="never" nodeType="tmRoot"/>
       </p:par>
     </p:tnLst>
   </p:timing>
@@ -15408,7 +15354,7 @@
   <p:timing>
     <p:tnLst>
       <p:par>
-        <p:cTn xmlns:p14="http://schemas.microsoft.com/office/powerpoint/2010/main" id="1" dur="indefinite" restart="never" nodeType="tmRoot"/>
+        <p:cTn id="1" dur="indefinite" restart="never" nodeType="tmRoot"/>
       </p:par>
     </p:tnLst>
   </p:timing>
@@ -15560,7 +15506,7 @@
   <p:timing>
     <p:tnLst>
       <p:par>
-        <p:cTn xmlns:p14="http://schemas.microsoft.com/office/powerpoint/2010/main" id="1" dur="indefinite" restart="never" nodeType="tmRoot"/>
+        <p:cTn id="1" dur="indefinite" restart="never" nodeType="tmRoot"/>
       </p:par>
     </p:tnLst>
   </p:timing>
@@ -15779,7 +15725,7 @@
   <p:timing>
     <p:tnLst>
       <p:par>
-        <p:cTn xmlns:p14="http://schemas.microsoft.com/office/powerpoint/2010/main" id="1" dur="indefinite" restart="never" nodeType="tmRoot"/>
+        <p:cTn id="1" dur="indefinite" restart="never" nodeType="tmRoot"/>
       </p:par>
     </p:tnLst>
   </p:timing>
@@ -15956,7 +15902,7 @@
   <p:timing>
     <p:tnLst>
       <p:par>
-        <p:cTn xmlns:p14="http://schemas.microsoft.com/office/powerpoint/2010/main" id="1" dur="indefinite" restart="never" nodeType="tmRoot"/>
+        <p:cTn id="1" dur="indefinite" restart="never" nodeType="tmRoot"/>
       </p:par>
     </p:tnLst>
   </p:timing>
@@ -16123,7 +16069,7 @@
   <p:timing>
     <p:tnLst>
       <p:par>
-        <p:cTn xmlns:p14="http://schemas.microsoft.com/office/powerpoint/2010/main" id="1" dur="indefinite" restart="never" nodeType="tmRoot"/>
+        <p:cTn id="1" dur="indefinite" restart="never" nodeType="tmRoot"/>
       </p:par>
     </p:tnLst>
   </p:timing>
@@ -16320,7 +16266,7 @@
   <p:timing>
     <p:tnLst>
       <p:par>
-        <p:cTn xmlns:p14="http://schemas.microsoft.com/office/powerpoint/2010/main" id="1" dur="indefinite" restart="never" nodeType="tmRoot"/>
+        <p:cTn id="1" dur="indefinite" restart="never" nodeType="tmRoot"/>
       </p:par>
     </p:tnLst>
   </p:timing>
@@ -16481,7 +16427,7 @@
   <p:timing>
     <p:tnLst>
       <p:par>
-        <p:cTn xmlns:p14="http://schemas.microsoft.com/office/powerpoint/2010/main" id="1" dur="indefinite" restart="never" nodeType="tmRoot"/>
+        <p:cTn id="1" dur="indefinite" restart="never" nodeType="tmRoot"/>
       </p:par>
     </p:tnLst>
   </p:timing>
